--- a/langflow/components/media/extended_template.pptx
+++ b/langflow/components/media/extended_template.pptx
@@ -9018,78 +9018,6 @@
           </a:p>
         </p:txBody>
       </p:sp>
-      <p:pic>
-        <p:nvPicPr>
-          <p:cNvPr id="12" name="Image 29" descr="Une image contenant Graphique, symbole, Police, graphisme&#10;&#10;Description générée automatiquement">
-            <a:extLst>
-              <a:ext uri="{FF2B5EF4-FFF2-40B4-BE49-F238E27FC236}">
-                <a16:creationId xmlns:a16="http://schemas.microsoft.com/office/drawing/2014/main" id="{4B797637-B510-AE4C-7AB5-F56F314A200B}"/>
-              </a:ext>
-            </a:extLst>
-          </p:cNvPr>
-          <p:cNvPicPr>
-            <a:picLocks noChangeAspect="1"/>
-          </p:cNvPicPr>
-          <p:nvPr/>
-        </p:nvPicPr>
-        <p:blipFill>
-          <a:blip r:embed="rId2">
-            <a:extLst>
-              <a:ext uri="{28A0092B-C50C-407E-A947-70E740481C1C}">
-                <a14:useLocalDpi xmlns:a14="http://schemas.microsoft.com/office/drawing/2010/main" val="0"/>
-              </a:ext>
-            </a:extLst>
-          </a:blip>
-          <a:stretch>
-            <a:fillRect/>
-          </a:stretch>
-        </p:blipFill>
-        <p:spPr>
-          <a:xfrm>
-            <a:off x="306000" y="1569775"/>
-            <a:ext cx="712106" cy="710331"/>
-          </a:xfrm>
-          <a:prstGeom prst="rect">
-            <a:avLst/>
-          </a:prstGeom>
-        </p:spPr>
-      </p:pic>
-      <p:pic>
-        <p:nvPicPr>
-          <p:cNvPr id="13" name="Image 27" descr="Une image contenant Graphique, symbole, logo, Police&#10;&#10;Description générée automatiquement">
-            <a:extLst>
-              <a:ext uri="{FF2B5EF4-FFF2-40B4-BE49-F238E27FC236}">
-                <a16:creationId xmlns:a16="http://schemas.microsoft.com/office/drawing/2014/main" id="{CADEDA6E-DF63-CD8F-D331-CFB777B2FE88}"/>
-              </a:ext>
-            </a:extLst>
-          </p:cNvPr>
-          <p:cNvPicPr>
-            <a:picLocks noChangeAspect="1"/>
-          </p:cNvPicPr>
-          <p:nvPr/>
-        </p:nvPicPr>
-        <p:blipFill>
-          <a:blip r:embed="rId3">
-            <a:extLst>
-              <a:ext uri="{28A0092B-C50C-407E-A947-70E740481C1C}">
-                <a14:useLocalDpi xmlns:a14="http://schemas.microsoft.com/office/drawing/2010/main" val="0"/>
-              </a:ext>
-            </a:extLst>
-          </a:blip>
-          <a:stretch>
-            <a:fillRect/>
-          </a:stretch>
-        </p:blipFill>
-        <p:spPr>
-          <a:xfrm>
-            <a:off x="4196582" y="1569600"/>
-            <a:ext cx="712106" cy="712106"/>
-          </a:xfrm>
-          <a:prstGeom prst="rect">
-            <a:avLst/>
-          </a:prstGeom>
-        </p:spPr>
-      </p:pic>
       <p:sp>
         <p:nvSpPr>
           <p:cNvPr id="8" name="Textfeld 7">
@@ -9202,42 +9130,6 @@
           </a:p>
         </p:txBody>
       </p:sp>
-      <p:pic>
-        <p:nvPicPr>
-          <p:cNvPr id="14" name="Image 25" descr="Une image contenant Graphique, symbole, logo, cercle&#10;&#10;Description générée automatiquement">
-            <a:extLst>
-              <a:ext uri="{FF2B5EF4-FFF2-40B4-BE49-F238E27FC236}">
-                <a16:creationId xmlns:a16="http://schemas.microsoft.com/office/drawing/2014/main" id="{EFC65CD1-A419-C108-3D8D-F698536CB52D}"/>
-              </a:ext>
-            </a:extLst>
-          </p:cNvPr>
-          <p:cNvPicPr>
-            <a:picLocks noChangeAspect="1"/>
-          </p:cNvPicPr>
-          <p:nvPr/>
-        </p:nvPicPr>
-        <p:blipFill>
-          <a:blip r:embed="rId4">
-            <a:extLst>
-              <a:ext uri="{28A0092B-C50C-407E-A947-70E740481C1C}">
-                <a14:useLocalDpi xmlns:a14="http://schemas.microsoft.com/office/drawing/2010/main" val="0"/>
-              </a:ext>
-            </a:extLst>
-          </a:blip>
-          <a:stretch>
-            <a:fillRect/>
-          </a:stretch>
-        </p:blipFill>
-        <p:spPr>
-          <a:xfrm>
-            <a:off x="8089200" y="1569600"/>
-            <a:ext cx="712106" cy="712106"/>
-          </a:xfrm>
-          <a:prstGeom prst="rect">
-            <a:avLst/>
-          </a:prstGeom>
-        </p:spPr>
-      </p:pic>
     </p:spTree>
     <p:extLst>
       <p:ext uri="{BB962C8B-B14F-4D97-AF65-F5344CB8AC3E}">
@@ -9490,78 +9382,6 @@
           </a:p>
         </p:txBody>
       </p:sp>
-      <p:pic>
-        <p:nvPicPr>
-          <p:cNvPr id="12" name="Image 29" descr="Une image contenant Graphique, symbole, Police, graphisme&#10;&#10;Description générée automatiquement">
-            <a:extLst>
-              <a:ext uri="{FF2B5EF4-FFF2-40B4-BE49-F238E27FC236}">
-                <a16:creationId xmlns:a16="http://schemas.microsoft.com/office/drawing/2014/main" id="{F2A37920-92AF-0F6C-9534-BD60A24DDD76}"/>
-              </a:ext>
-            </a:extLst>
-          </p:cNvPr>
-          <p:cNvPicPr>
-            <a:picLocks noChangeAspect="1"/>
-          </p:cNvPicPr>
-          <p:nvPr/>
-        </p:nvPicPr>
-        <p:blipFill>
-          <a:blip r:embed="rId2">
-            <a:extLst>
-              <a:ext uri="{28A0092B-C50C-407E-A947-70E740481C1C}">
-                <a14:useLocalDpi xmlns:a14="http://schemas.microsoft.com/office/drawing/2010/main" val="0"/>
-              </a:ext>
-            </a:extLst>
-          </a:blip>
-          <a:stretch>
-            <a:fillRect/>
-          </a:stretch>
-        </p:blipFill>
-        <p:spPr>
-          <a:xfrm>
-            <a:off x="306000" y="1569775"/>
-            <a:ext cx="712106" cy="710331"/>
-          </a:xfrm>
-          <a:prstGeom prst="rect">
-            <a:avLst/>
-          </a:prstGeom>
-        </p:spPr>
-      </p:pic>
-      <p:pic>
-        <p:nvPicPr>
-          <p:cNvPr id="13" name="Image 27" descr="Une image contenant Graphique, symbole, logo, Police&#10;&#10;Description générée automatiquement">
-            <a:extLst>
-              <a:ext uri="{FF2B5EF4-FFF2-40B4-BE49-F238E27FC236}">
-                <a16:creationId xmlns:a16="http://schemas.microsoft.com/office/drawing/2014/main" id="{AC11AE57-75CB-1C27-2458-44013B7CF4D3}"/>
-              </a:ext>
-            </a:extLst>
-          </p:cNvPr>
-          <p:cNvPicPr>
-            <a:picLocks noChangeAspect="1"/>
-          </p:cNvPicPr>
-          <p:nvPr/>
-        </p:nvPicPr>
-        <p:blipFill>
-          <a:blip r:embed="rId3">
-            <a:extLst>
-              <a:ext uri="{28A0092B-C50C-407E-A947-70E740481C1C}">
-                <a14:useLocalDpi xmlns:a14="http://schemas.microsoft.com/office/drawing/2010/main" val="0"/>
-              </a:ext>
-            </a:extLst>
-          </a:blip>
-          <a:stretch>
-            <a:fillRect/>
-          </a:stretch>
-        </p:blipFill>
-        <p:spPr>
-          <a:xfrm>
-            <a:off x="4196582" y="1569600"/>
-            <a:ext cx="712106" cy="712106"/>
-          </a:xfrm>
-          <a:prstGeom prst="rect">
-            <a:avLst/>
-          </a:prstGeom>
-        </p:spPr>
-      </p:pic>
       <p:sp>
         <p:nvSpPr>
           <p:cNvPr id="20" name="Textfeld 19">
@@ -10450,6 +10270,15 @@
 </file>
 
 <file path=customXml/item1.xml><?xml version="1.0" encoding="utf-8"?>
+<?mso-contentType ?>
+<FormTemplates xmlns="http://schemas.microsoft.com/sharepoint/v3/contenttype/forms">
+  <Display>DocumentLibraryForm</Display>
+  <Edit>DocumentLibraryForm</Edit>
+  <New>DocumentLibraryForm</New>
+</FormTemplates>
+</file>
+
+<file path=customXml/item2.xml><?xml version="1.0" encoding="utf-8"?>
 <ct:contentTypeSchema xmlns:ct="http://schemas.microsoft.com/office/2006/metadata/contentType" xmlns:ma="http://schemas.microsoft.com/office/2006/metadata/properties/metaAttributes" ct:_="" ma:_="" ma:contentTypeName="Document" ma:contentTypeID="0x010100844C1A6680E41A4781F62CC101B3C49A" ma:contentTypeVersion="6" ma:contentTypeDescription="Create a new document." ma:contentTypeScope="" ma:versionID="1fca24d0af956cb6111ea2aa2c9cbd9d">
   <xsd:schema xmlns:xsd="http://www.w3.org/2001/XMLSchema" xmlns:xs="http://www.w3.org/2001/XMLSchema" xmlns:p="http://schemas.microsoft.com/office/2006/metadata/properties" xmlns:ns2="7346e314-1113-4693-bfa8-aa1e3a055fba" xmlns:ns3="4f6e62a9-eef7-483a-b511-db9ffe238984" targetNamespace="http://schemas.microsoft.com/office/2006/metadata/properties" ma:root="true" ma:fieldsID="f2a39d9c048f409ff061f494c6a3f476" ns2:_="" ns3:_="">
     <xsd:import namespace="7346e314-1113-4693-bfa8-aa1e3a055fba"/>
@@ -10626,15 +10455,6 @@
 </ct:contentTypeSchema>
 </file>
 
-<file path=customXml/item2.xml><?xml version="1.0" encoding="utf-8"?>
-<?mso-contentType ?>
-<FormTemplates xmlns="http://schemas.microsoft.com/sharepoint/v3/contenttype/forms">
-  <Display>DocumentLibraryForm</Display>
-  <Edit>DocumentLibraryForm</Edit>
-  <New>DocumentLibraryForm</New>
-</FormTemplates>
-</file>
-
 <file path=customXml/item3.xml><?xml version="1.0" encoding="utf-8"?>
 <p:properties xmlns:p="http://schemas.microsoft.com/office/2006/metadata/properties" xmlns:xsi="http://www.w3.org/2001/XMLSchema-instance" xmlns:pc="http://schemas.microsoft.com/office/infopath/2007/PartnerControls">
   <documentManagement/>
@@ -10642,6 +10462,14 @@
 </file>
 
 <file path=customXml/itemProps1.xml><?xml version="1.0" encoding="utf-8"?>
+<ds:datastoreItem xmlns:ds="http://schemas.openxmlformats.org/officeDocument/2006/customXml" ds:itemID="{602CE593-0E1E-4575-A8F4-8689702DA630}">
+  <ds:schemaRefs>
+    <ds:schemaRef ds:uri="http://schemas.microsoft.com/sharepoint/v3/contenttype/forms"/>
+  </ds:schemaRefs>
+</ds:datastoreItem>
+</file>
+
+<file path=customXml/itemProps2.xml><?xml version="1.0" encoding="utf-8"?>
 <ds:datastoreItem xmlns:ds="http://schemas.openxmlformats.org/officeDocument/2006/customXml" ds:itemID="{000DDAD8-BCF9-494D-A779-DEA5AE4EF747}">
   <ds:schemaRefs>
     <ds:schemaRef ds:uri="http://schemas.microsoft.com/office/2006/metadata/contentType"/>
@@ -10660,14 +10488,6 @@
 </ds:datastoreItem>
 </file>
 
-<file path=customXml/itemProps2.xml><?xml version="1.0" encoding="utf-8"?>
-<ds:datastoreItem xmlns:ds="http://schemas.openxmlformats.org/officeDocument/2006/customXml" ds:itemID="{602CE593-0E1E-4575-A8F4-8689702DA630}">
-  <ds:schemaRefs>
-    <ds:schemaRef ds:uri="http://schemas.microsoft.com/sharepoint/v3/contenttype/forms"/>
-  </ds:schemaRefs>
-</ds:datastoreItem>
-</file>
-
 <file path=customXml/itemProps3.xml><?xml version="1.0" encoding="utf-8"?>
 <ds:datastoreItem xmlns:ds="http://schemas.openxmlformats.org/officeDocument/2006/customXml" ds:itemID="{A2A1802B-1C77-47FD-A831-AB744372472F}">
   <ds:schemaRefs>
